--- a/Arthur_presentation_stockage.pptx
+++ b/Arthur_presentation_stockage.pptx
@@ -3510,33 +3510,16 @@
           <a:p>
             <a:r>
               <a:rPr lang="fr-FR" dirty="0"/>
-              <a:t>codage de </a:t>
-            </a:r>
-            <a:r>
-              <a:rPr lang="fr-FR" dirty="0" err="1"/>
-              <a:t>Huffman</a:t>
-            </a:r>
+              <a:t>Environnement de développement : Visual Studio Code</a:t>
+            </a:r>
+          </a:p>
+          <a:p>
+            <a:endParaRPr lang="fr-FR" dirty="0"/>
+          </a:p>
+          <a:p>
             <a:r>
               <a:rPr lang="fr-FR" dirty="0"/>
-              <a:t>, création : 1952</a:t>
-            </a:r>
-          </a:p>
-          <a:p>
-            <a:endParaRPr lang="fr-FR" dirty="0"/>
-          </a:p>
-          <a:p>
-            <a:r>
-              <a:rPr lang="fr-FR" dirty="0"/>
-              <a:t>Environnement de développement : Visual Studio Code</a:t>
-            </a:r>
-          </a:p>
-          <a:p>
-            <a:endParaRPr lang="fr-FR" dirty="0"/>
-          </a:p>
-          <a:p>
-            <a:r>
-              <a:rPr lang="fr-FR" dirty="0"/>
-              <a:t>Langage : Python</a:t>
+              <a:t>Langage : Node.js</a:t>
             </a:r>
           </a:p>
         </p:txBody>
@@ -3635,30 +3618,25 @@
           <a:p>
             <a:r>
               <a:rPr lang="fr-FR" dirty="0"/>
-              <a:t>La classe </a:t>
-            </a:r>
-            <a:r>
-              <a:rPr lang="fr-FR" b="1" dirty="0"/>
-              <a:t>Node</a:t>
+              <a:t>Class : Node, </a:t>
+            </a:r>
+            <a:r>
+              <a:rPr lang="fr-FR" dirty="0" err="1"/>
+              <a:t>SystemNode</a:t>
             </a:r>
             <a:r>
               <a:rPr lang="fr-FR" dirty="0"/>
-              <a:t> permet de créer l’arbre binaire</a:t>
-            </a:r>
-          </a:p>
-          <a:p>
-            <a:endParaRPr lang="fr-FR" dirty="0"/>
-          </a:p>
-          <a:p>
-            <a:r>
-              <a:rPr lang="fr-FR" b="1" dirty="0"/>
-              <a:t>Main.py</a:t>
-            </a:r>
+              <a:t>, User, System</a:t>
+            </a:r>
+          </a:p>
+          <a:p>
+            <a:endParaRPr lang="fr-FR" b="1" u="sng" dirty="0"/>
+          </a:p>
+          <a:p>
             <a:r>
               <a:rPr lang="fr-FR" dirty="0"/>
-              <a:t> exécution du programme création des fichiers demandés</a:t>
-            </a:r>
-            <a:endParaRPr lang="fr-FR" b="1" u="sng" dirty="0"/>
+              <a:t>System permet une vision globale des objets à notre disposition</a:t>
+            </a:r>
           </a:p>
           <a:p>
             <a:endParaRPr lang="fr-FR" dirty="0"/>
@@ -3745,43 +3723,55 @@
         <p:spPr/>
         <p:txBody>
           <a:bodyPr>
-            <a:normAutofit fontScale="92500" lnSpcReduction="20000"/>
+            <a:normAutofit fontScale="92500" lnSpcReduction="10000"/>
           </a:bodyPr>
           <a:lstStyle/>
           <a:p>
             <a:r>
               <a:rPr lang="fr-FR" dirty="0"/>
-              <a:t>Installer </a:t>
+              <a:t>Télécharger et installer Node.js</a:t>
+            </a:r>
+          </a:p>
+          <a:p>
+            <a:pPr marL="0" indent="0">
+              <a:buNone/>
+            </a:pPr>
+            <a:endParaRPr lang="fr-FR" dirty="0"/>
+          </a:p>
+          <a:p>
+            <a:r>
+              <a:rPr lang="fr-FR" dirty="0"/>
+              <a:t>Fichiers requis: tous les fichiers dans le répertoire GitHub</a:t>
+            </a:r>
+          </a:p>
+          <a:p>
+            <a:pPr marL="0" indent="0">
+              <a:buNone/>
+            </a:pPr>
+            <a:endParaRPr lang="fr-FR" dirty="0"/>
+          </a:p>
+          <a:p>
+            <a:r>
+              <a:rPr lang="fr-FR" dirty="0"/>
+              <a:t>Ouvrir le répertoire dans un invite de commande</a:t>
+            </a:r>
+          </a:p>
+          <a:p>
+            <a:endParaRPr lang="fr-FR" dirty="0"/>
+          </a:p>
+          <a:p>
+            <a:r>
+              <a:rPr lang="fr-FR" dirty="0"/>
+              <a:t>Exécuter la commande « </a:t>
             </a:r>
             <a:r>
               <a:rPr lang="fr-FR" dirty="0" err="1"/>
-              <a:t>bitarray</a:t>
+              <a:t>node</a:t>
             </a:r>
             <a:r>
               <a:rPr lang="fr-FR" dirty="0"/>
-              <a:t> : </a:t>
-            </a:r>
-            <a:r>
-              <a:rPr lang="fr-FR" i="1" dirty="0" err="1"/>
-              <a:t>pip</a:t>
-            </a:r>
-            <a:r>
-              <a:rPr lang="fr-FR" i="1" dirty="0"/>
-              <a:t> </a:t>
-            </a:r>
-            <a:r>
-              <a:rPr lang="fr-FR" i="1" dirty="0" err="1"/>
-              <a:t>install</a:t>
-            </a:r>
-            <a:r>
-              <a:rPr lang="fr-FR" i="1" dirty="0"/>
-              <a:t> </a:t>
-            </a:r>
-            <a:r>
-              <a:rPr lang="fr-FR" i="1" dirty="0" err="1"/>
-              <a:t>bitarray</a:t>
-            </a:r>
-            <a:endParaRPr lang="fr-FR" i="1"/>
+              <a:t> main.js »</a:t>
+            </a:r>
           </a:p>
           <a:p>
             <a:endParaRPr lang="fr-FR" dirty="0"/>
@@ -3789,42 +3779,7 @@
           <a:p>
             <a:r>
               <a:rPr lang="fr-FR" dirty="0"/>
-              <a:t>Fichiers requis: </a:t>
-            </a:r>
-            <a:r>
-              <a:rPr lang="fr-FR" dirty="0" err="1"/>
-              <a:t>Main.py,Node.py</a:t>
-            </a:r>
-            <a:r>
-              <a:rPr lang="fr-FR" dirty="0"/>
-              <a:t>, votrefichier.txt</a:t>
-            </a:r>
-          </a:p>
-          <a:p>
-            <a:endParaRPr lang="fr-FR" dirty="0"/>
-          </a:p>
-          <a:p>
-            <a:r>
-              <a:rPr lang="fr-FR" dirty="0"/>
-              <a:t>Exécuter le programme</a:t>
-            </a:r>
-          </a:p>
-          <a:p>
-            <a:endParaRPr lang="fr-FR" dirty="0"/>
-          </a:p>
-          <a:p>
-            <a:r>
-              <a:rPr lang="fr-FR" dirty="0"/>
-              <a:t>Rentrer le nom complet du fichier .txt avec son extension</a:t>
-            </a:r>
-          </a:p>
-          <a:p>
-            <a:endParaRPr lang="fr-FR" dirty="0"/>
-          </a:p>
-          <a:p>
-            <a:r>
-              <a:rPr lang="fr-FR" dirty="0"/>
-              <a:t>Génération d’un fichier .bin et d’un fichier .txt ainsi que l’évaluation du taux de compression ainsi que le nombre de bits moyen occupé par un caractère</a:t>
+              <a:t>Les objets définis dans la première parties du main ont alors été altérés, en effet, les données ont été placées selon les algorithmes mis en place.</a:t>
             </a:r>
           </a:p>
         </p:txBody>
